--- a/PPT/Manipulating data.pptx
+++ b/PPT/Manipulating data.pptx
@@ -21,6 +21,8 @@
     <p:sldId id="269" r:id="rId15"/>
     <p:sldId id="270" r:id="rId16"/>
     <p:sldId id="271" r:id="rId17"/>
+    <p:sldId id="272" r:id="rId18"/>
+    <p:sldId id="273" r:id="rId19"/>
   </p:sldIdLst>
   <p:sldSz cx="12192000" cy="6858000"/>
   <p:notesSz cx="6858000" cy="9144000"/>
@@ -119,6 +121,11 @@
       </a:defRPr>
     </a:lvl9pPr>
   </p:defaultTextStyle>
+  <p:extLst>
+    <p:ext uri="{EFAFB233-063F-42B5-8137-9DF3F51BA10A}">
+      <p15:sldGuideLst xmlns:p15="http://schemas.microsoft.com/office/powerpoint/2012/main"/>
+    </p:ext>
+  </p:extLst>
 </p:presentation>
 </file>
 
@@ -293,7 +300,7 @@
           <a:p>
             <a:fld id="{48A87A34-81AB-432B-8DAE-1953F412C126}" type="datetimeFigureOut">
               <a:rPr lang="en-US" dirty="0"/>
-              <a:t>10/25/2017</a:t>
+              <a:t>11/2/2017</a:t>
             </a:fld>
             <a:endParaRPr lang="en-US" dirty="0"/>
           </a:p>
@@ -600,7 +607,7 @@
           <a:p>
             <a:fld id="{48A87A34-81AB-432B-8DAE-1953F412C126}" type="datetimeFigureOut">
               <a:rPr lang="en-US" dirty="0"/>
-              <a:t>10/25/2017</a:t>
+              <a:t>11/2/2017</a:t>
             </a:fld>
             <a:endParaRPr lang="en-US" dirty="0"/>
           </a:p>
@@ -817,7 +824,7 @@
           <a:p>
             <a:fld id="{48A87A34-81AB-432B-8DAE-1953F412C126}" type="datetimeFigureOut">
               <a:rPr lang="en-US" dirty="0"/>
-              <a:t>10/25/2017</a:t>
+              <a:t>11/2/2017</a:t>
             </a:fld>
             <a:endParaRPr lang="en-US" dirty="0"/>
           </a:p>
@@ -1103,7 +1110,7 @@
           <a:p>
             <a:fld id="{48A87A34-81AB-432B-8DAE-1953F412C126}" type="datetimeFigureOut">
               <a:rPr lang="en-US" dirty="0"/>
-              <a:t>10/25/2017</a:t>
+              <a:t>11/2/2017</a:t>
             </a:fld>
             <a:endParaRPr lang="en-US" dirty="0"/>
           </a:p>
@@ -1552,7 +1559,7 @@
           <a:p>
             <a:fld id="{48A87A34-81AB-432B-8DAE-1953F412C126}" type="datetimeFigureOut">
               <a:rPr lang="en-US" dirty="0"/>
-              <a:t>10/25/2017</a:t>
+              <a:t>11/2/2017</a:t>
             </a:fld>
             <a:endParaRPr lang="en-US" dirty="0"/>
           </a:p>
@@ -2123,7 +2130,7 @@
           <a:p>
             <a:fld id="{48A87A34-81AB-432B-8DAE-1953F412C126}" type="datetimeFigureOut">
               <a:rPr lang="en-US" dirty="0"/>
-              <a:t>10/25/2017</a:t>
+              <a:t>11/2/2017</a:t>
             </a:fld>
             <a:endParaRPr lang="en-US" dirty="0"/>
           </a:p>
@@ -2970,7 +2977,7 @@
           <a:p>
             <a:fld id="{48A87A34-81AB-432B-8DAE-1953F412C126}" type="datetimeFigureOut">
               <a:rPr lang="en-US" dirty="0"/>
-              <a:t>10/25/2017</a:t>
+              <a:t>11/2/2017</a:t>
             </a:fld>
             <a:endParaRPr lang="en-US" dirty="0"/>
           </a:p>
@@ -3170,7 +3177,7 @@
           <a:p>
             <a:fld id="{48A87A34-81AB-432B-8DAE-1953F412C126}" type="datetimeFigureOut">
               <a:rPr lang="en-US" dirty="0"/>
-              <a:t>10/25/2017</a:t>
+              <a:t>11/2/2017</a:t>
             </a:fld>
             <a:endParaRPr lang="en-US" dirty="0"/>
           </a:p>
@@ -3379,7 +3386,7 @@
           <a:p>
             <a:fld id="{48A87A34-81AB-432B-8DAE-1953F412C126}" type="datetimeFigureOut">
               <a:rPr lang="en-US" dirty="0"/>
-              <a:t>10/25/2017</a:t>
+              <a:t>11/2/2017</a:t>
             </a:fld>
             <a:endParaRPr lang="en-US" dirty="0"/>
           </a:p>
@@ -3579,7 +3586,7 @@
           <a:p>
             <a:fld id="{48A87A34-81AB-432B-8DAE-1953F412C126}" type="datetimeFigureOut">
               <a:rPr lang="en-US" dirty="0"/>
-              <a:t>10/25/2017</a:t>
+              <a:t>11/2/2017</a:t>
             </a:fld>
             <a:endParaRPr lang="en-US" dirty="0"/>
           </a:p>
@@ -3854,7 +3861,7 @@
           <a:p>
             <a:fld id="{48A87A34-81AB-432B-8DAE-1953F412C126}" type="datetimeFigureOut">
               <a:rPr lang="en-US" dirty="0"/>
-              <a:t>10/25/2017</a:t>
+              <a:t>11/2/2017</a:t>
             </a:fld>
             <a:endParaRPr lang="en-US" dirty="0"/>
           </a:p>
@@ -4116,7 +4123,7 @@
           <a:p>
             <a:fld id="{48A87A34-81AB-432B-8DAE-1953F412C126}" type="datetimeFigureOut">
               <a:rPr lang="en-US" dirty="0"/>
-              <a:t>10/25/2017</a:t>
+              <a:t>11/2/2017</a:t>
             </a:fld>
             <a:endParaRPr lang="en-US" dirty="0"/>
           </a:p>
@@ -4526,7 +4533,7 @@
           <a:p>
             <a:fld id="{48A87A34-81AB-432B-8DAE-1953F412C126}" type="datetimeFigureOut">
               <a:rPr lang="en-US" dirty="0"/>
-              <a:t>10/25/2017</a:t>
+              <a:t>11/2/2017</a:t>
             </a:fld>
             <a:endParaRPr lang="en-US" dirty="0"/>
           </a:p>
@@ -4669,7 +4676,7 @@
           <a:p>
             <a:fld id="{48A87A34-81AB-432B-8DAE-1953F412C126}" type="datetimeFigureOut">
               <a:rPr lang="en-US" dirty="0"/>
-              <a:t>10/25/2017</a:t>
+              <a:t>11/2/2017</a:t>
             </a:fld>
             <a:endParaRPr lang="en-US" dirty="0"/>
           </a:p>
@@ -4789,7 +4796,7 @@
           <a:p>
             <a:fld id="{48A87A34-81AB-432B-8DAE-1953F412C126}" type="datetimeFigureOut">
               <a:rPr lang="en-US" dirty="0"/>
-              <a:t>10/25/2017</a:t>
+              <a:t>11/2/2017</a:t>
             </a:fld>
             <a:endParaRPr lang="en-US" dirty="0"/>
           </a:p>
@@ -5063,7 +5070,7 @@
           <a:p>
             <a:fld id="{48A87A34-81AB-432B-8DAE-1953F412C126}" type="datetimeFigureOut">
               <a:rPr lang="en-US" dirty="0"/>
-              <a:t>10/25/2017</a:t>
+              <a:t>11/2/2017</a:t>
             </a:fld>
             <a:endParaRPr lang="en-US" dirty="0"/>
           </a:p>
@@ -5370,7 +5377,7 @@
           <a:p>
             <a:fld id="{48A87A34-81AB-432B-8DAE-1953F412C126}" type="datetimeFigureOut">
               <a:rPr lang="en-US" dirty="0"/>
-              <a:t>10/25/2017</a:t>
+              <a:t>11/2/2017</a:t>
             </a:fld>
             <a:endParaRPr lang="en-US" dirty="0"/>
           </a:p>
@@ -5619,7 +5626,7 @@
             <a:fld id="{48A87A34-81AB-432B-8DAE-1953F412C126}" type="datetimeFigureOut">
               <a:rPr lang="en-US" dirty="0"/>
               <a:pPr/>
-              <a:t>10/25/2017</a:t>
+              <a:t>11/2/2017</a:t>
             </a:fld>
             <a:endParaRPr lang="en-US" dirty="0"/>
           </a:p>
@@ -6150,7 +6157,6 @@
               <a:rPr lang="sl-SI" dirty="0"/>
               <a:t>Deleting Rows</a:t>
             </a:r>
-            <a:endParaRPr lang="sl-SI" dirty="0"/>
           </a:p>
         </p:txBody>
       </p:sp>
@@ -6388,7 +6394,6 @@
               <a:rPr lang="sl-SI" dirty="0"/>
               <a:t>TRUNCATE TABLE &lt;table1&gt;</a:t>
             </a:r>
-            <a:endParaRPr lang="sl-SI" dirty="0"/>
           </a:p>
         </p:txBody>
       </p:sp>
@@ -6669,7 +6674,6 @@
               <a:rPr lang="sl-SI" dirty="0"/>
               <a:t>Updating Existing Rows</a:t>
             </a:r>
-            <a:endParaRPr lang="sl-SI" dirty="0"/>
           </a:p>
         </p:txBody>
       </p:sp>
@@ -6739,7 +6743,6 @@
               <a:rPr lang="sl-SI" dirty="0"/>
               <a:t>WHERE &lt;condition&gt;]</a:t>
             </a:r>
-            <a:endParaRPr lang="sl-SI" dirty="0"/>
           </a:p>
         </p:txBody>
       </p:sp>
@@ -7014,7 +7017,6 @@
               <a:rPr lang="sl-SI" dirty="0"/>
               <a:t>Updating with Aggregate Functions</a:t>
             </a:r>
-            <a:endParaRPr lang="sl-SI" dirty="0"/>
           </a:p>
         </p:txBody>
       </p:sp>
@@ -7320,7 +7322,6 @@
               <a:rPr lang="sl-SI" dirty="0"/>
               <a:t>table.</a:t>
             </a:r>
-            <a:endParaRPr lang="sl-SI" dirty="0"/>
           </a:p>
         </p:txBody>
       </p:sp>
@@ -7344,6 +7345,407 @@
 </p:sld>
 </file>
 
+<file path=ppt/slides/slide17.xml><?xml version="1.0" encoding="utf-8"?>
+<p:sld xmlns:a="http://schemas.openxmlformats.org/drawingml/2006/main" xmlns:r="http://schemas.openxmlformats.org/officeDocument/2006/relationships" xmlns:p="http://schemas.openxmlformats.org/presentationml/2006/main">
+  <p:cSld>
+    <p:spTree>
+      <p:nvGrpSpPr>
+        <p:cNvPr id="1" name=""/>
+        <p:cNvGrpSpPr/>
+        <p:nvPr/>
+      </p:nvGrpSpPr>
+      <p:grpSpPr>
+        <a:xfrm>
+          <a:off x="0" y="0"/>
+          <a:ext cx="0" cy="0"/>
+          <a:chOff x="0" y="0"/>
+          <a:chExt cx="0" cy="0"/>
+        </a:xfrm>
+      </p:grpSpPr>
+      <p:sp>
+        <p:nvSpPr>
+          <p:cNvPr id="2" name="Title 1"/>
+          <p:cNvSpPr>
+            <a:spLocks noGrp="1"/>
+          </p:cNvSpPr>
+          <p:nvPr>
+            <p:ph type="title"/>
+          </p:nvPr>
+        </p:nvSpPr>
+        <p:spPr/>
+        <p:txBody>
+          <a:bodyPr/>
+          <a:lstStyle/>
+          <a:p>
+            <a:r>
+              <a:rPr lang="sl-SI" dirty="0"/>
+              <a:t>Using Transactions</a:t>
+            </a:r>
+            <a:endParaRPr lang="sl-SI" dirty="0"/>
+          </a:p>
+        </p:txBody>
+      </p:sp>
+      <p:sp>
+        <p:nvSpPr>
+          <p:cNvPr id="3" name="Content Placeholder 2"/>
+          <p:cNvSpPr>
+            <a:spLocks noGrp="1"/>
+          </p:cNvSpPr>
+          <p:nvPr>
+            <p:ph sz="quarter" idx="13"/>
+          </p:nvPr>
+        </p:nvSpPr>
+        <p:spPr/>
+        <p:txBody>
+          <a:bodyPr>
+            <a:normAutofit fontScale="70000" lnSpcReduction="20000"/>
+          </a:bodyPr>
+          <a:lstStyle/>
+          <a:p>
+            <a:r>
+              <a:rPr lang="sl-SI" dirty="0"/>
+              <a:t>Writing an Explicit </a:t>
+            </a:r>
+            <a:r>
+              <a:rPr lang="sl-SI" dirty="0" smtClean="0"/>
+              <a:t>Transaction:</a:t>
+            </a:r>
+          </a:p>
+          <a:p>
+            <a:pPr marL="0" indent="0">
+              <a:buNone/>
+            </a:pPr>
+            <a:r>
+              <a:rPr lang="sl-SI" dirty="0" smtClean="0"/>
+              <a:t>    BEGIN </a:t>
+            </a:r>
+            <a:r>
+              <a:rPr lang="sl-SI" dirty="0"/>
+              <a:t>TRAN|TRANSACTION</a:t>
+            </a:r>
+          </a:p>
+          <a:p>
+            <a:pPr marL="0" indent="0">
+              <a:buNone/>
+            </a:pPr>
+            <a:r>
+              <a:rPr lang="sl-SI" dirty="0" smtClean="0"/>
+              <a:t>    &lt;</a:t>
+            </a:r>
+            <a:r>
+              <a:rPr lang="sl-SI" dirty="0"/>
+              <a:t>statement 1&gt;</a:t>
+            </a:r>
+          </a:p>
+          <a:p>
+            <a:pPr marL="0" indent="0">
+              <a:buNone/>
+            </a:pPr>
+            <a:r>
+              <a:rPr lang="sl-SI" dirty="0" smtClean="0"/>
+              <a:t>    &lt;</a:t>
+            </a:r>
+            <a:r>
+              <a:rPr lang="sl-SI" dirty="0"/>
+              <a:t>statement 2&gt;</a:t>
+            </a:r>
+          </a:p>
+          <a:p>
+            <a:pPr marL="0" indent="0">
+              <a:buNone/>
+            </a:pPr>
+            <a:r>
+              <a:rPr lang="sl-SI" dirty="0" smtClean="0"/>
+              <a:t>    COMMIT </a:t>
+            </a:r>
+            <a:r>
+              <a:rPr lang="sl-SI" dirty="0"/>
+              <a:t>[TRAN|TRANSACTION</a:t>
+            </a:r>
+            <a:r>
+              <a:rPr lang="sl-SI" dirty="0" smtClean="0"/>
+              <a:t>]</a:t>
+            </a:r>
+          </a:p>
+          <a:p>
+            <a:r>
+              <a:rPr lang="sl-SI" dirty="0"/>
+              <a:t>Rolling Back a </a:t>
+            </a:r>
+            <a:r>
+              <a:rPr lang="sl-SI" dirty="0" smtClean="0"/>
+              <a:t>Transaction</a:t>
+            </a:r>
+          </a:p>
+          <a:p>
+            <a:pPr marL="0" indent="0">
+              <a:buNone/>
+            </a:pPr>
+            <a:r>
+              <a:rPr lang="sl-SI" dirty="0" smtClean="0"/>
+              <a:t>     BEGIN </a:t>
+            </a:r>
+            <a:r>
+              <a:rPr lang="sl-SI" dirty="0"/>
+              <a:t>TRAN|TRANSACTION</a:t>
+            </a:r>
+          </a:p>
+          <a:p>
+            <a:pPr marL="0" indent="0">
+              <a:buNone/>
+            </a:pPr>
+            <a:r>
+              <a:rPr lang="sl-SI" dirty="0" smtClean="0"/>
+              <a:t>     &lt;</a:t>
+            </a:r>
+            <a:r>
+              <a:rPr lang="sl-SI" dirty="0"/>
+              <a:t>statement 1&gt;</a:t>
+            </a:r>
+          </a:p>
+          <a:p>
+            <a:pPr marL="0" indent="0">
+              <a:buNone/>
+            </a:pPr>
+            <a:r>
+              <a:rPr lang="sl-SI" dirty="0" smtClean="0"/>
+              <a:t>     &lt;</a:t>
+            </a:r>
+            <a:r>
+              <a:rPr lang="sl-SI" dirty="0"/>
+              <a:t>statement 2&gt;</a:t>
+            </a:r>
+          </a:p>
+          <a:p>
+            <a:pPr marL="0" indent="0">
+              <a:buNone/>
+            </a:pPr>
+            <a:r>
+              <a:rPr lang="sl-SI" dirty="0" smtClean="0"/>
+              <a:t>     ROLLBACK </a:t>
+            </a:r>
+            <a:r>
+              <a:rPr lang="sl-SI" dirty="0"/>
+              <a:t>[TRAN|TRANSACTION]</a:t>
+            </a:r>
+            <a:endParaRPr lang="sl-SI" dirty="0"/>
+          </a:p>
+        </p:txBody>
+      </p:sp>
+    </p:spTree>
+    <p:extLst>
+      <p:ext uri="{BB962C8B-B14F-4D97-AF65-F5344CB8AC3E}">
+        <p14:creationId xmlns:p14="http://schemas.microsoft.com/office/powerpoint/2010/main" val="2844572283"/>
+      </p:ext>
+    </p:extLst>
+  </p:cSld>
+  <p:clrMapOvr>
+    <a:masterClrMapping/>
+  </p:clrMapOvr>
+</p:sld>
+</file>
+
+<file path=ppt/slides/slide18.xml><?xml version="1.0" encoding="utf-8"?>
+<p:sld xmlns:a="http://schemas.openxmlformats.org/drawingml/2006/main" xmlns:r="http://schemas.openxmlformats.org/officeDocument/2006/relationships" xmlns:p="http://schemas.openxmlformats.org/presentationml/2006/main">
+  <p:cSld>
+    <p:spTree>
+      <p:nvGrpSpPr>
+        <p:cNvPr id="1" name=""/>
+        <p:cNvGrpSpPr/>
+        <p:nvPr/>
+      </p:nvGrpSpPr>
+      <p:grpSpPr>
+        <a:xfrm>
+          <a:off x="0" y="0"/>
+          <a:ext cx="0" cy="0"/>
+          <a:chOff x="0" y="0"/>
+          <a:chExt cx="0" cy="0"/>
+        </a:xfrm>
+      </p:grpSpPr>
+      <p:sp>
+        <p:nvSpPr>
+          <p:cNvPr id="2" name="Title 1"/>
+          <p:cNvSpPr>
+            <a:spLocks noGrp="1"/>
+          </p:cNvSpPr>
+          <p:nvPr>
+            <p:ph type="title"/>
+          </p:nvPr>
+        </p:nvSpPr>
+        <p:spPr/>
+        <p:txBody>
+          <a:bodyPr/>
+          <a:lstStyle/>
+          <a:p>
+            <a:r>
+              <a:rPr lang="sl-SI" dirty="0" smtClean="0"/>
+              <a:t>Excercise</a:t>
+            </a:r>
+            <a:endParaRPr lang="sl-SI" dirty="0"/>
+          </a:p>
+        </p:txBody>
+      </p:sp>
+      <p:sp>
+        <p:nvSpPr>
+          <p:cNvPr id="3" name="Content Placeholder 2"/>
+          <p:cNvSpPr>
+            <a:spLocks noGrp="1"/>
+          </p:cNvSpPr>
+          <p:nvPr>
+            <p:ph sz="quarter" idx="13"/>
+          </p:nvPr>
+        </p:nvSpPr>
+        <p:spPr/>
+        <p:txBody>
+          <a:bodyPr>
+            <a:normAutofit fontScale="85000" lnSpcReduction="10000"/>
+          </a:bodyPr>
+          <a:lstStyle/>
+          <a:p>
+            <a:r>
+              <a:rPr lang="en-US" dirty="0"/>
+              <a:t>IF OBJECT_ID('</a:t>
+            </a:r>
+            <a:r>
+              <a:rPr lang="en-US" dirty="0" err="1"/>
+              <a:t>dbo.Demo</a:t>
+            </a:r>
+            <a:r>
+              <a:rPr lang="en-US" dirty="0"/>
+              <a:t>') IS NOT NULL BEGIN</a:t>
+            </a:r>
+          </a:p>
+          <a:p>
+            <a:r>
+              <a:rPr lang="sl-SI" dirty="0"/>
+              <a:t>DROP TABLE dbo.Demo;</a:t>
+            </a:r>
+          </a:p>
+          <a:p>
+            <a:r>
+              <a:rPr lang="sl-SI" dirty="0"/>
+              <a:t>END</a:t>
+            </a:r>
+            <a:r>
+              <a:rPr lang="sl-SI" dirty="0" smtClean="0"/>
+              <a:t>;</a:t>
+            </a:r>
+            <a:endParaRPr lang="sl-SI" dirty="0"/>
+          </a:p>
+          <a:p>
+            <a:r>
+              <a:rPr lang="en-US" dirty="0"/>
+              <a:t>CREATE TABLE </a:t>
+            </a:r>
+            <a:r>
+              <a:rPr lang="en-US" dirty="0" err="1"/>
+              <a:t>dbo.Demo</a:t>
+            </a:r>
+            <a:r>
+              <a:rPr lang="en-US" dirty="0"/>
+              <a:t>(ID INT PRIMARY KEY, Name VARCHAR(25));</a:t>
+            </a:r>
+          </a:p>
+          <a:p>
+            <a:r>
+              <a:rPr lang="en-US" dirty="0"/>
+              <a:t>1. Write a transaction that includes two INSERT statements to add two rows to </a:t>
+            </a:r>
+            <a:r>
+              <a:rPr lang="en-US" dirty="0" smtClean="0"/>
+              <a:t>the</a:t>
+            </a:r>
+            <a:r>
+              <a:rPr lang="sl-SI" dirty="0" smtClean="0"/>
+              <a:t> dbo.Demo </a:t>
+            </a:r>
+            <a:r>
+              <a:rPr lang="sl-SI" dirty="0"/>
+              <a:t>table.</a:t>
+            </a:r>
+          </a:p>
+          <a:p>
+            <a:r>
+              <a:rPr lang="en-US" dirty="0"/>
+              <a:t>2. Write a transaction that includes two INSERT statements to add two more rows </a:t>
+            </a:r>
+            <a:r>
+              <a:rPr lang="en-US" dirty="0" smtClean="0"/>
+              <a:t>to</a:t>
+            </a:r>
+            <a:r>
+              <a:rPr lang="sl-SI" dirty="0" smtClean="0"/>
+              <a:t> </a:t>
+            </a:r>
+            <a:r>
+              <a:rPr lang="en-US" dirty="0" smtClean="0"/>
+              <a:t>the </a:t>
+            </a:r>
+            <a:r>
+              <a:rPr lang="en-US" dirty="0" err="1"/>
+              <a:t>dbo.Demo</a:t>
+            </a:r>
+            <a:r>
+              <a:rPr lang="en-US" dirty="0"/>
+              <a:t> table. Attempt to insert a letter instead of a number into the </a:t>
+            </a:r>
+            <a:r>
+              <a:rPr lang="en-US" dirty="0" smtClean="0"/>
+              <a:t>ID</a:t>
+            </a:r>
+            <a:r>
+              <a:rPr lang="sl-SI" dirty="0" smtClean="0"/>
+              <a:t> </a:t>
+            </a:r>
+            <a:r>
+              <a:rPr lang="en-US" dirty="0" smtClean="0"/>
+              <a:t>column </a:t>
+            </a:r>
+            <a:r>
+              <a:rPr lang="en-US" dirty="0"/>
+              <a:t>in one of the statements. Select the data from the </a:t>
+            </a:r>
+            <a:r>
+              <a:rPr lang="en-US" dirty="0" err="1"/>
+              <a:t>dbo.Demo</a:t>
+            </a:r>
+            <a:r>
+              <a:rPr lang="en-US" dirty="0"/>
+              <a:t> table to </a:t>
+            </a:r>
+            <a:r>
+              <a:rPr lang="en-US" dirty="0" smtClean="0"/>
+              <a:t>see</a:t>
+            </a:r>
+            <a:r>
+              <a:rPr lang="sl-SI" dirty="0" smtClean="0"/>
+              <a:t> </a:t>
+            </a:r>
+            <a:r>
+              <a:rPr lang="en-US" dirty="0" smtClean="0"/>
+              <a:t>which </a:t>
+            </a:r>
+            <a:r>
+              <a:rPr lang="en-US" dirty="0"/>
+              <a:t>rows made it to the table.</a:t>
+            </a:r>
+            <a:endParaRPr lang="sl-SI" dirty="0"/>
+          </a:p>
+        </p:txBody>
+      </p:sp>
+    </p:spTree>
+    <p:extLst>
+      <p:ext uri="{BB962C8B-B14F-4D97-AF65-F5344CB8AC3E}">
+        <p14:creationId xmlns:p14="http://schemas.microsoft.com/office/powerpoint/2010/main" val="3452111856"/>
+      </p:ext>
+    </p:extLst>
+  </p:cSld>
+  <p:clrMapOvr>
+    <a:masterClrMapping/>
+  </p:clrMapOvr>
+</p:sld>
+</file>
+
 <file path=ppt/slides/slide2.xml><?xml version="1.0" encoding="utf-8"?>
 <p:sld xmlns:a="http://schemas.openxmlformats.org/drawingml/2006/main" xmlns:r="http://schemas.openxmlformats.org/officeDocument/2006/relationships" xmlns:p="http://schemas.openxmlformats.org/presentationml/2006/main">
   <p:cSld>
@@ -7456,15 +7858,7 @@
           <a:p>
             <a:r>
               <a:rPr lang="en-US" dirty="0"/>
-              <a:t>Inserting </a:t>
-            </a:r>
-            <a:r>
-              <a:rPr lang="en-US" dirty="0"/>
-              <a:t>Multiple Rows with One </a:t>
-            </a:r>
-            <a:r>
-              <a:rPr lang="en-US" dirty="0"/>
-              <a:t>Statement</a:t>
+              <a:t>Inserting Multiple Rows with One Statement</a:t>
             </a:r>
             <a:r>
               <a:rPr lang="sl-SI" dirty="0" smtClean="0"/>
@@ -7914,7 +8308,6 @@
               <a:rPr lang="sl-SI" dirty="0"/>
               <a:t>JOIN Sales.SalesOrderHeader AS s ON c.BusinessEntityID = s.SalesPersonID</a:t>
             </a:r>
-            <a:endParaRPr lang="sl-SI" dirty="0"/>
           </a:p>
         </p:txBody>
       </p:sp>
@@ -8132,7 +8525,6 @@
               <a:rPr lang="sl-SI" dirty="0"/>
               <a:t>d.CustomerID IS NULL;</a:t>
             </a:r>
-            <a:endParaRPr lang="sl-SI" dirty="0"/>
           </a:p>
         </p:txBody>
       </p:sp>
@@ -8241,7 +8633,6 @@
               <a:rPr lang="sl-SI" dirty="0"/>
               <a:t>&lt;table1&gt;;</a:t>
             </a:r>
-            <a:endParaRPr lang="sl-SI" dirty="0"/>
           </a:p>
         </p:txBody>
       </p:sp>
